--- a/assets/img/introducao.pptx
+++ b/assets/img/introducao.pptx
@@ -260,7 +260,7 @@
           <a:p>
             <a:fld id="{0CABD12D-3A0F-4B36-B262-1CA8D70A158F}" type="datetimeFigureOut">
               <a:rPr lang="pt-BR" smtClean="0"/>
-              <a:t>14/06/2023</a:t>
+              <a:t>23/06/2023</a:t>
             </a:fld>
             <a:endParaRPr lang="pt-BR"/>
           </a:p>
@@ -458,7 +458,7 @@
           <a:p>
             <a:fld id="{0CABD12D-3A0F-4B36-B262-1CA8D70A158F}" type="datetimeFigureOut">
               <a:rPr lang="pt-BR" smtClean="0"/>
-              <a:t>14/06/2023</a:t>
+              <a:t>23/06/2023</a:t>
             </a:fld>
             <a:endParaRPr lang="pt-BR"/>
           </a:p>
@@ -666,7 +666,7 @@
           <a:p>
             <a:fld id="{0CABD12D-3A0F-4B36-B262-1CA8D70A158F}" type="datetimeFigureOut">
               <a:rPr lang="pt-BR" smtClean="0"/>
-              <a:t>14/06/2023</a:t>
+              <a:t>23/06/2023</a:t>
             </a:fld>
             <a:endParaRPr lang="pt-BR"/>
           </a:p>
@@ -864,7 +864,7 @@
           <a:p>
             <a:fld id="{0CABD12D-3A0F-4B36-B262-1CA8D70A158F}" type="datetimeFigureOut">
               <a:rPr lang="pt-BR" smtClean="0"/>
-              <a:t>14/06/2023</a:t>
+              <a:t>23/06/2023</a:t>
             </a:fld>
             <a:endParaRPr lang="pt-BR"/>
           </a:p>
@@ -1139,7 +1139,7 @@
           <a:p>
             <a:fld id="{0CABD12D-3A0F-4B36-B262-1CA8D70A158F}" type="datetimeFigureOut">
               <a:rPr lang="pt-BR" smtClean="0"/>
-              <a:t>14/06/2023</a:t>
+              <a:t>23/06/2023</a:t>
             </a:fld>
             <a:endParaRPr lang="pt-BR"/>
           </a:p>
@@ -1404,7 +1404,7 @@
           <a:p>
             <a:fld id="{0CABD12D-3A0F-4B36-B262-1CA8D70A158F}" type="datetimeFigureOut">
               <a:rPr lang="pt-BR" smtClean="0"/>
-              <a:t>14/06/2023</a:t>
+              <a:t>23/06/2023</a:t>
             </a:fld>
             <a:endParaRPr lang="pt-BR"/>
           </a:p>
@@ -1816,7 +1816,7 @@
           <a:p>
             <a:fld id="{0CABD12D-3A0F-4B36-B262-1CA8D70A158F}" type="datetimeFigureOut">
               <a:rPr lang="pt-BR" smtClean="0"/>
-              <a:t>14/06/2023</a:t>
+              <a:t>23/06/2023</a:t>
             </a:fld>
             <a:endParaRPr lang="pt-BR"/>
           </a:p>
@@ -1957,7 +1957,7 @@
           <a:p>
             <a:fld id="{0CABD12D-3A0F-4B36-B262-1CA8D70A158F}" type="datetimeFigureOut">
               <a:rPr lang="pt-BR" smtClean="0"/>
-              <a:t>14/06/2023</a:t>
+              <a:t>23/06/2023</a:t>
             </a:fld>
             <a:endParaRPr lang="pt-BR"/>
           </a:p>
@@ -2070,7 +2070,7 @@
           <a:p>
             <a:fld id="{0CABD12D-3A0F-4B36-B262-1CA8D70A158F}" type="datetimeFigureOut">
               <a:rPr lang="pt-BR" smtClean="0"/>
-              <a:t>14/06/2023</a:t>
+              <a:t>23/06/2023</a:t>
             </a:fld>
             <a:endParaRPr lang="pt-BR"/>
           </a:p>
@@ -2381,7 +2381,7 @@
           <a:p>
             <a:fld id="{0CABD12D-3A0F-4B36-B262-1CA8D70A158F}" type="datetimeFigureOut">
               <a:rPr lang="pt-BR" smtClean="0"/>
-              <a:t>14/06/2023</a:t>
+              <a:t>23/06/2023</a:t>
             </a:fld>
             <a:endParaRPr lang="pt-BR"/>
           </a:p>
@@ -2669,7 +2669,7 @@
           <a:p>
             <a:fld id="{0CABD12D-3A0F-4B36-B262-1CA8D70A158F}" type="datetimeFigureOut">
               <a:rPr lang="pt-BR" smtClean="0"/>
-              <a:t>14/06/2023</a:t>
+              <a:t>23/06/2023</a:t>
             </a:fld>
             <a:endParaRPr lang="pt-BR"/>
           </a:p>
@@ -2910,7 +2910,7 @@
           <a:p>
             <a:fld id="{0CABD12D-3A0F-4B36-B262-1CA8D70A158F}" type="datetimeFigureOut">
               <a:rPr lang="pt-BR" smtClean="0"/>
-              <a:t>14/06/2023</a:t>
+              <a:t>23/06/2023</a:t>
             </a:fld>
             <a:endParaRPr lang="pt-BR"/>
           </a:p>
@@ -3348,7 +3348,7 @@
         </p:blipFill>
         <p:spPr>
           <a:xfrm>
-            <a:off x="7169521" y="284258"/>
+            <a:off x="6819285" y="443284"/>
             <a:ext cx="2481089" cy="2835530"/>
           </a:xfrm>
           <a:prstGeom prst="rect">
@@ -3377,7 +3377,7 @@
         </p:blipFill>
         <p:spPr>
           <a:xfrm>
-            <a:off x="1381239" y="3119788"/>
+            <a:off x="1031003" y="3415491"/>
             <a:ext cx="3137913" cy="3206556"/>
           </a:xfrm>
           <a:prstGeom prst="rect">
@@ -3406,7 +3406,7 @@
         </p:blipFill>
         <p:spPr>
           <a:xfrm>
-            <a:off x="6647156" y="4284395"/>
+            <a:off x="6296920" y="4443421"/>
             <a:ext cx="3003454" cy="2289347"/>
           </a:xfrm>
           <a:prstGeom prst="rect">
@@ -3435,7 +3435,7 @@
         </p:blipFill>
         <p:spPr>
           <a:xfrm>
-            <a:off x="1778872" y="473555"/>
+            <a:off x="1428636" y="632581"/>
             <a:ext cx="3227824" cy="1923326"/>
           </a:xfrm>
           <a:prstGeom prst="ellipse">
@@ -3457,7 +3457,7 @@
         </p:nvSpPr>
         <p:spPr>
           <a:xfrm>
-            <a:off x="5379117" y="1211692"/>
+            <a:off x="5028881" y="1370718"/>
             <a:ext cx="1417983" cy="742122"/>
           </a:xfrm>
           <a:prstGeom prst="rightArrow">
@@ -3514,7 +3514,7 @@
         </p:nvSpPr>
         <p:spPr>
           <a:xfrm rot="10800000">
-            <a:off x="4874162" y="4723066"/>
+            <a:off x="4523926" y="4882092"/>
             <a:ext cx="1417983" cy="742122"/>
           </a:xfrm>
           <a:prstGeom prst="rightArrow">
@@ -3571,7 +3571,7 @@
         </p:nvSpPr>
         <p:spPr>
           <a:xfrm rot="5400000">
-            <a:off x="8000683" y="3238268"/>
+            <a:off x="7650447" y="3397294"/>
             <a:ext cx="850334" cy="742122"/>
           </a:xfrm>
           <a:prstGeom prst="rightArrow">
@@ -3614,6 +3614,194 @@
           </a:p>
         </p:txBody>
       </p:sp>
+      <p:sp>
+        <p:nvSpPr>
+          <p:cNvPr id="2" name="CaixaDeTexto 1">
+            <a:extLst>
+              <a:ext uri="{FF2B5EF4-FFF2-40B4-BE49-F238E27FC236}">
+                <a16:creationId xmlns:a16="http://schemas.microsoft.com/office/drawing/2014/main" id="{60B662D8-5512-79F5-EC57-55A0E386800D}"/>
+              </a:ext>
+            </a:extLst>
+          </p:cNvPr>
+          <p:cNvSpPr txBox="1"/>
+          <p:nvPr/>
+        </p:nvSpPr>
+        <p:spPr>
+          <a:xfrm>
+            <a:off x="2379713" y="194911"/>
+            <a:ext cx="1537252" cy="369332"/>
+          </a:xfrm>
+          <a:prstGeom prst="rect">
+            <a:avLst/>
+          </a:prstGeom>
+          <a:noFill/>
+        </p:spPr>
+        <p:txBody>
+          <a:bodyPr wrap="square" rtlCol="0">
+            <a:spAutoFit/>
+          </a:bodyPr>
+          <a:lstStyle/>
+          <a:p>
+            <a:r>
+              <a:rPr lang="pt-BR" b="1" dirty="0">
+                <a:latin typeface="Barlow" panose="00000500000000000000" pitchFamily="2" charset="0"/>
+              </a:rPr>
+              <a:t>SINTOMAS</a:t>
+            </a:r>
+          </a:p>
+        </p:txBody>
+      </p:sp>
+      <p:sp>
+        <p:nvSpPr>
+          <p:cNvPr id="3" name="CaixaDeTexto 2">
+            <a:extLst>
+              <a:ext uri="{FF2B5EF4-FFF2-40B4-BE49-F238E27FC236}">
+                <a16:creationId xmlns:a16="http://schemas.microsoft.com/office/drawing/2014/main" id="{F5715A04-8D96-7E0F-BFC0-D23616DBAA14}"/>
+              </a:ext>
+            </a:extLst>
+          </p:cNvPr>
+          <p:cNvSpPr txBox="1"/>
+          <p:nvPr/>
+        </p:nvSpPr>
+        <p:spPr>
+          <a:xfrm>
+            <a:off x="7704553" y="174730"/>
+            <a:ext cx="1537252" cy="369332"/>
+          </a:xfrm>
+          <a:prstGeom prst="rect">
+            <a:avLst/>
+          </a:prstGeom>
+          <a:noFill/>
+        </p:spPr>
+        <p:txBody>
+          <a:bodyPr wrap="square" rtlCol="0">
+            <a:spAutoFit/>
+          </a:bodyPr>
+          <a:lstStyle/>
+          <a:p>
+            <a:r>
+              <a:rPr lang="pt-BR" b="1" dirty="0">
+                <a:latin typeface="Barlow" panose="00000500000000000000" pitchFamily="2" charset="0"/>
+              </a:rPr>
+              <a:t>CONSULTA</a:t>
+            </a:r>
+          </a:p>
+        </p:txBody>
+      </p:sp>
+      <p:sp>
+        <p:nvSpPr>
+          <p:cNvPr id="4" name="CaixaDeTexto 3">
+            <a:extLst>
+              <a:ext uri="{FF2B5EF4-FFF2-40B4-BE49-F238E27FC236}">
+                <a16:creationId xmlns:a16="http://schemas.microsoft.com/office/drawing/2014/main" id="{21CA07F2-0DDA-735C-5205-BC4DE8C9F3B2}"/>
+              </a:ext>
+            </a:extLst>
+          </p:cNvPr>
+          <p:cNvSpPr txBox="1"/>
+          <p:nvPr/>
+        </p:nvSpPr>
+        <p:spPr>
+          <a:xfrm>
+            <a:off x="8697986" y="4235761"/>
+            <a:ext cx="1280902" cy="369332"/>
+          </a:xfrm>
+          <a:prstGeom prst="rect">
+            <a:avLst/>
+          </a:prstGeom>
+          <a:noFill/>
+        </p:spPr>
+        <p:txBody>
+          <a:bodyPr wrap="square" rtlCol="0">
+            <a:spAutoFit/>
+          </a:bodyPr>
+          <a:lstStyle/>
+          <a:p>
+            <a:r>
+              <a:rPr lang="pt-BR" b="1" dirty="0">
+                <a:latin typeface="Barlow" panose="00000500000000000000" pitchFamily="2" charset="0"/>
+              </a:rPr>
+              <a:t>EXAMES</a:t>
+            </a:r>
+          </a:p>
+        </p:txBody>
+      </p:sp>
+      <p:sp>
+        <p:nvSpPr>
+          <p:cNvPr id="5" name="CaixaDeTexto 4">
+            <a:extLst>
+              <a:ext uri="{FF2B5EF4-FFF2-40B4-BE49-F238E27FC236}">
+                <a16:creationId xmlns:a16="http://schemas.microsoft.com/office/drawing/2014/main" id="{6716C463-8147-3D0C-3FC3-A9035D34985C}"/>
+              </a:ext>
+            </a:extLst>
+          </p:cNvPr>
+          <p:cNvSpPr txBox="1"/>
+          <p:nvPr/>
+        </p:nvSpPr>
+        <p:spPr>
+          <a:xfrm>
+            <a:off x="1057256" y="3278814"/>
+            <a:ext cx="3599204" cy="369332"/>
+          </a:xfrm>
+          <a:prstGeom prst="rect">
+            <a:avLst/>
+          </a:prstGeom>
+          <a:noFill/>
+        </p:spPr>
+        <p:txBody>
+          <a:bodyPr wrap="square" rtlCol="0">
+            <a:spAutoFit/>
+          </a:bodyPr>
+          <a:lstStyle/>
+          <a:p>
+            <a:r>
+              <a:rPr lang="pt-BR" b="1" dirty="0">
+                <a:latin typeface="Barlow" panose="00000500000000000000" pitchFamily="2" charset="0"/>
+              </a:rPr>
+              <a:t>PROCEDIMENTOS / TRATAMENTO</a:t>
+            </a:r>
+          </a:p>
+        </p:txBody>
+      </p:sp>
+      <p:sp>
+        <p:nvSpPr>
+          <p:cNvPr id="8" name="CaixaDeTexto 7">
+            <a:extLst>
+              <a:ext uri="{FF2B5EF4-FFF2-40B4-BE49-F238E27FC236}">
+                <a16:creationId xmlns:a16="http://schemas.microsoft.com/office/drawing/2014/main" id="{F8E60834-CBDF-F6EC-8E18-C720AAB64D9D}"/>
+              </a:ext>
+            </a:extLst>
+          </p:cNvPr>
+          <p:cNvSpPr txBox="1"/>
+          <p:nvPr/>
+        </p:nvSpPr>
+        <p:spPr>
+          <a:xfrm>
+            <a:off x="9064077" y="5068487"/>
+            <a:ext cx="3003454" cy="369332"/>
+          </a:xfrm>
+          <a:prstGeom prst="rect">
+            <a:avLst/>
+          </a:prstGeom>
+          <a:noFill/>
+        </p:spPr>
+        <p:txBody>
+          <a:bodyPr wrap="square">
+            <a:spAutoFit/>
+          </a:bodyPr>
+          <a:lstStyle/>
+          <a:p>
+            <a:r>
+              <a:rPr lang="pt-BR" b="1" dirty="0">
+                <a:solidFill>
+                  <a:srgbClr val="C00000"/>
+                </a:solidFill>
+                <a:latin typeface="Barlow" panose="00000500000000000000" pitchFamily="2" charset="0"/>
+              </a:rPr>
+              <a:t>ATRASO NA NOTIFICAÇÂO!</a:t>
+            </a:r>
+          </a:p>
+        </p:txBody>
+      </p:sp>
     </p:spTree>
     <p:extLst>
       <p:ext uri="{BB962C8B-B14F-4D97-AF65-F5344CB8AC3E}">
@@ -3694,7 +3882,7 @@
         </p:blipFill>
         <p:spPr>
           <a:xfrm>
-            <a:off x="7875548" y="3094688"/>
+            <a:off x="8948276" y="3017552"/>
             <a:ext cx="2606978" cy="3402015"/>
           </a:xfrm>
           <a:prstGeom prst="rect">
@@ -3725,6 +3913,72 @@
           <a:xfrm>
             <a:off x="348988" y="1382631"/>
             <a:ext cx="6215751" cy="4652181"/>
+          </a:xfrm>
+          <a:prstGeom prst="rect">
+            <a:avLst/>
+          </a:prstGeom>
+        </p:spPr>
+      </p:pic>
+      <p:sp>
+        <p:nvSpPr>
+          <p:cNvPr id="3" name="CaixaDeTexto 2">
+            <a:extLst>
+              <a:ext uri="{FF2B5EF4-FFF2-40B4-BE49-F238E27FC236}">
+                <a16:creationId xmlns:a16="http://schemas.microsoft.com/office/drawing/2014/main" id="{098B0BE0-6EB0-6BE3-482C-B040D3C44CED}"/>
+              </a:ext>
+            </a:extLst>
+          </p:cNvPr>
+          <p:cNvSpPr txBox="1"/>
+          <p:nvPr/>
+        </p:nvSpPr>
+        <p:spPr>
+          <a:xfrm>
+            <a:off x="713221" y="823188"/>
+            <a:ext cx="5487284" cy="369332"/>
+          </a:xfrm>
+          <a:prstGeom prst="rect">
+            <a:avLst/>
+          </a:prstGeom>
+          <a:noFill/>
+        </p:spPr>
+        <p:txBody>
+          <a:bodyPr wrap="square" rtlCol="0">
+            <a:spAutoFit/>
+          </a:bodyPr>
+          <a:lstStyle/>
+          <a:p>
+            <a:r>
+              <a:rPr lang="pt-BR" b="1" dirty="0">
+                <a:latin typeface="Barlow" panose="00000500000000000000" pitchFamily="2" charset="0"/>
+              </a:rPr>
+              <a:t>CONTAGEM DE CASOS DE INCIDÊNCIA DE COVID 19</a:t>
+            </a:r>
+          </a:p>
+        </p:txBody>
+      </p:sp>
+      <p:pic>
+        <p:nvPicPr>
+          <p:cNvPr id="12" name="Imagem 11">
+            <a:extLst>
+              <a:ext uri="{FF2B5EF4-FFF2-40B4-BE49-F238E27FC236}">
+                <a16:creationId xmlns:a16="http://schemas.microsoft.com/office/drawing/2014/main" id="{19B16CAF-33D6-94EB-CAB2-41F73DA97C18}"/>
+              </a:ext>
+            </a:extLst>
+          </p:cNvPr>
+          <p:cNvPicPr>
+            <a:picLocks noChangeAspect="1"/>
+          </p:cNvPicPr>
+          <p:nvPr/>
+        </p:nvPicPr>
+        <p:blipFill rotWithShape="1">
+          <a:blip r:embed="rId5"/>
+          <a:srcRect l="66522" t="26462" r="14348" b="47825"/>
+          <a:stretch/>
+        </p:blipFill>
+        <p:spPr>
+          <a:xfrm>
+            <a:off x="6755413" y="2952213"/>
+            <a:ext cx="2002188" cy="1513016"/>
           </a:xfrm>
           <a:prstGeom prst="rect">
             <a:avLst/>
